--- a/lectures/DL-Session16.pptx
+++ b/lectures/DL-Session16.pptx
@@ -117,6 +117,7 @@
 <p1510:revInfo xmlns:a="http://schemas.openxmlformats.org/drawingml/2006/main" xmlns:r="http://schemas.openxmlformats.org/officeDocument/2006/relationships" xmlns:p1510="http://schemas.microsoft.com/office/powerpoint/2015/10/main">
   <p1510:revLst>
     <p1510:client id="{DBE791B2-1131-3A8A-11A6-AEB333FCF54C}" v="9" dt="2024-11-12T23:58:46.030"/>
+    <p1510:client id="{DC584E6D-3F4F-22A4-40B4-80039943650E}" v="4" dt="2024-11-13T21:15:13.254"/>
     <p1510:client id="{E7049D11-D961-6F1B-52EF-709BDBEA892D}" v="19" dt="2024-11-12T23:59:13.252"/>
   </p1510:revLst>
 </p1510:revInfo>
@@ -4445,7 +4446,7 @@
                 <a:latin typeface="Times New Roman"/>
                 <a:cs typeface="Times New Roman"/>
               </a:rPr>
-              <a:t> 15</a:t>
+              <a:t> 16</a:t>
             </a:r>
             <a:endParaRPr lang="pt-PT" dirty="0"/>
           </a:p>
